--- a/avaliacao/escopo.pptx
+++ b/avaliacao/escopo.pptx
@@ -5,7 +5,7 @@
     <p:sldMasterId id="2147483659" r:id="rId1"/>
   </p:sldMasterIdLst>
   <p:notesMasterIdLst>
-    <p:notesMasterId r:id="rId8"/>
+    <p:notesMasterId r:id="rId9"/>
   </p:notesMasterIdLst>
   <p:sldIdLst>
     <p:sldId id="256" r:id="rId2"/>
@@ -13,31 +13,32 @@
     <p:sldId id="276" r:id="rId4"/>
     <p:sldId id="277" r:id="rId5"/>
     <p:sldId id="278" r:id="rId6"/>
-    <p:sldId id="275" r:id="rId7"/>
+    <p:sldId id="279" r:id="rId7"/>
+    <p:sldId id="275" r:id="rId8"/>
   </p:sldIdLst>
   <p:sldSz cx="9144000" cy="5715000" type="screen16x10"/>
   <p:notesSz cx="6858000" cy="9144000"/>
   <p:embeddedFontLst>
     <p:embeddedFont>
       <p:font typeface="Ubuntu" panose="020B0504030602030204" pitchFamily="34" charset="0"/>
-      <p:regular r:id="rId9"/>
-      <p:bold r:id="rId10"/>
-      <p:italic r:id="rId11"/>
-      <p:boldItalic r:id="rId12"/>
+      <p:regular r:id="rId10"/>
+      <p:bold r:id="rId11"/>
+      <p:italic r:id="rId12"/>
+      <p:boldItalic r:id="rId13"/>
     </p:embeddedFont>
     <p:embeddedFont>
       <p:font typeface="Ubuntu Light" panose="020B0304030602030204" pitchFamily="34" charset="0"/>
-      <p:regular r:id="rId13"/>
-      <p:bold r:id="rId14"/>
-      <p:italic r:id="rId15"/>
-      <p:boldItalic r:id="rId16"/>
+      <p:regular r:id="rId14"/>
+      <p:bold r:id="rId15"/>
+      <p:italic r:id="rId16"/>
+      <p:boldItalic r:id="rId17"/>
     </p:embeddedFont>
     <p:embeddedFont>
       <p:font typeface="Ubuntu Medium" panose="020B0604030602030204" pitchFamily="34" charset="0"/>
-      <p:regular r:id="rId17"/>
-      <p:bold r:id="rId18"/>
-      <p:italic r:id="rId19"/>
-      <p:boldItalic r:id="rId20"/>
+      <p:regular r:id="rId18"/>
+      <p:bold r:id="rId19"/>
+      <p:italic r:id="rId20"/>
+      <p:boldItalic r:id="rId21"/>
     </p:embeddedFont>
   </p:embeddedFontLst>
   <p:defaultTextStyle>
@@ -1265,6 +1266,115 @@
 </file>
 
 <file path=ppt/notesSlides/notesSlide6.xml><?xml version="1.0" encoding="utf-8"?>
+<p:notes xmlns:a="http://schemas.openxmlformats.org/drawingml/2006/main" xmlns:r="http://schemas.openxmlformats.org/officeDocument/2006/relationships" xmlns:p="http://schemas.openxmlformats.org/presentationml/2006/main" showMasterSp="0" showMasterPhAnim="0">
+  <p:cSld>
+    <p:spTree>
+      <p:nvGrpSpPr>
+        <p:cNvPr id="1" name="Shape 69"/>
+        <p:cNvGrpSpPr/>
+        <p:nvPr/>
+      </p:nvGrpSpPr>
+      <p:grpSpPr>
+        <a:xfrm>
+          <a:off x="0" y="0"/>
+          <a:ext cx="0" cy="0"/>
+          <a:chOff x="0" y="0"/>
+          <a:chExt cx="0" cy="0"/>
+        </a:xfrm>
+      </p:grpSpPr>
+      <p:sp>
+        <p:nvSpPr>
+          <p:cNvPr id="70" name="Google Shape;70;ga964336a16_0_40:notes"/>
+          <p:cNvSpPr>
+            <a:spLocks noGrp="1" noRot="1" noChangeAspect="1"/>
+          </p:cNvSpPr>
+          <p:nvPr>
+            <p:ph type="sldImg" idx="2"/>
+          </p:nvPr>
+        </p:nvSpPr>
+        <p:spPr>
+          <a:xfrm>
+            <a:off x="685800" y="685800"/>
+            <a:ext cx="5486400" cy="3429000"/>
+          </a:xfrm>
+          <a:custGeom>
+            <a:avLst/>
+            <a:gdLst/>
+            <a:ahLst/>
+            <a:cxnLst/>
+            <a:rect l="l" t="t" r="r" b="b"/>
+            <a:pathLst>
+              <a:path w="120000" h="120000" extrusionOk="0">
+                <a:moveTo>
+                  <a:pt x="0" y="0"/>
+                </a:moveTo>
+                <a:lnTo>
+                  <a:pt x="120000" y="0"/>
+                </a:lnTo>
+                <a:lnTo>
+                  <a:pt x="120000" y="120000"/>
+                </a:lnTo>
+                <a:lnTo>
+                  <a:pt x="0" y="120000"/>
+                </a:lnTo>
+                <a:close/>
+              </a:path>
+            </a:pathLst>
+          </a:custGeom>
+        </p:spPr>
+      </p:sp>
+      <p:sp>
+        <p:nvSpPr>
+          <p:cNvPr id="71" name="Google Shape;71;ga964336a16_0_40:notes"/>
+          <p:cNvSpPr txBox="1">
+            <a:spLocks noGrp="1"/>
+          </p:cNvSpPr>
+          <p:nvPr>
+            <p:ph type="body" idx="1"/>
+          </p:nvPr>
+        </p:nvSpPr>
+        <p:spPr>
+          <a:xfrm>
+            <a:off x="685800" y="4343400"/>
+            <a:ext cx="5486400" cy="4114800"/>
+          </a:xfrm>
+          <a:prstGeom prst="rect">
+            <a:avLst/>
+          </a:prstGeom>
+        </p:spPr>
+        <p:txBody>
+          <a:bodyPr spcFirstLastPara="1" wrap="square" lIns="91425" tIns="91425" rIns="91425" bIns="91425" anchor="t" anchorCtr="0">
+            <a:noAutofit/>
+          </a:bodyPr>
+          <a:lstStyle/>
+          <a:p>
+            <a:pPr marL="0" lvl="0" indent="0" algn="l" rtl="0">
+              <a:spcBef>
+                <a:spcPts val="0"/>
+              </a:spcBef>
+              <a:spcAft>
+                <a:spcPts val="0"/>
+              </a:spcAft>
+              <a:buNone/>
+            </a:pPr>
+            <a:endParaRPr dirty="0"/>
+          </a:p>
+        </p:txBody>
+      </p:sp>
+    </p:spTree>
+    <p:extLst>
+      <p:ext uri="{BB962C8B-B14F-4D97-AF65-F5344CB8AC3E}">
+        <p14:creationId xmlns:p14="http://schemas.microsoft.com/office/powerpoint/2010/main" val="2288943395"/>
+      </p:ext>
+    </p:extLst>
+  </p:cSld>
+  <p:clrMapOvr>
+    <a:masterClrMapping/>
+  </p:clrMapOvr>
+</p:notes>
+</file>
+
+<file path=ppt/notesSlides/notesSlide7.xml><?xml version="1.0" encoding="utf-8"?>
 <p:notes xmlns:a="http://schemas.openxmlformats.org/drawingml/2006/main" xmlns:r="http://schemas.openxmlformats.org/officeDocument/2006/relationships" xmlns:p="http://schemas.openxmlformats.org/presentationml/2006/main" showMasterSp="0" showMasterPhAnim="0">
   <p:cSld>
     <p:spTree>
@@ -9726,6 +9836,840 @@
             </a:pPr>
             <a:r>
               <a:rPr lang="pt-BR" dirty="0"/>
+              <a:t>Escopo</a:t>
+            </a:r>
+            <a:endParaRPr dirty="0"/>
+          </a:p>
+        </p:txBody>
+      </p:sp>
+      <p:sp>
+        <p:nvSpPr>
+          <p:cNvPr id="74" name="Google Shape;74;p14"/>
+          <p:cNvSpPr txBox="1">
+            <a:spLocks noGrp="1"/>
+          </p:cNvSpPr>
+          <p:nvPr>
+            <p:ph type="body" idx="1"/>
+          </p:nvPr>
+        </p:nvSpPr>
+        <p:spPr>
+          <a:xfrm>
+            <a:off x="311700" y="1280528"/>
+            <a:ext cx="8520600" cy="3795900"/>
+          </a:xfrm>
+          <a:prstGeom prst="rect">
+            <a:avLst/>
+          </a:prstGeom>
+        </p:spPr>
+        <p:txBody>
+          <a:bodyPr spcFirstLastPara="1" wrap="square" lIns="91425" tIns="91425" rIns="91425" bIns="91425" anchor="t" anchorCtr="0">
+            <a:noAutofit/>
+          </a:bodyPr>
+          <a:lstStyle/>
+          <a:p>
+            <a:pPr marL="457200" lvl="0" indent="-342900" algn="l" rtl="0">
+              <a:spcBef>
+                <a:spcPts val="0"/>
+              </a:spcBef>
+              <a:spcAft>
+                <a:spcPts val="0"/>
+              </a:spcAft>
+              <a:buSzPts val="1800"/>
+              <a:buChar char="●"/>
+            </a:pPr>
+            <a:r>
+              <a:rPr lang="en" dirty="0"/>
+              <a:t>Observações:</a:t>
+            </a:r>
+          </a:p>
+          <a:p>
+            <a:pPr lvl="1" indent="-342900">
+              <a:spcBef>
+                <a:spcPts val="0"/>
+              </a:spcBef>
+              <a:buSzPts val="1800"/>
+            </a:pPr>
+            <a:r>
+              <a:rPr lang="en-US" dirty="0" err="1"/>
+              <a:t>Não</a:t>
+            </a:r>
+            <a:r>
+              <a:rPr lang="en-US" dirty="0"/>
+              <a:t> </a:t>
+            </a:r>
+            <a:r>
+              <a:rPr lang="en-US" dirty="0" err="1"/>
+              <a:t>esqueça</a:t>
+            </a:r>
+            <a:r>
+              <a:rPr lang="en-US" dirty="0"/>
+              <a:t> de </a:t>
+            </a:r>
+            <a:r>
+              <a:rPr lang="en-US" dirty="0" err="1"/>
+              <a:t>configurar</a:t>
+            </a:r>
+            <a:r>
+              <a:rPr lang="en-US" dirty="0"/>
+              <a:t> o </a:t>
+            </a:r>
+            <a:r>
+              <a:rPr lang="en-US" dirty="0" err="1"/>
+              <a:t>arquivo</a:t>
+            </a:r>
+            <a:r>
+              <a:rPr lang="en-US" dirty="0"/>
+              <a:t> .</a:t>
+            </a:r>
+            <a:r>
+              <a:rPr lang="en-US" dirty="0" err="1"/>
+              <a:t>gitignore</a:t>
+            </a:r>
+            <a:r>
+              <a:rPr lang="en-US" dirty="0"/>
+              <a:t> no </a:t>
+            </a:r>
+            <a:r>
+              <a:rPr lang="en-US" dirty="0" err="1"/>
+              <a:t>repositório</a:t>
+            </a:r>
+            <a:r>
+              <a:rPr lang="en-US" dirty="0"/>
+              <a:t> do Azure Repos para </a:t>
+            </a:r>
+            <a:r>
+              <a:rPr lang="en-US" dirty="0" err="1"/>
+              <a:t>evitar</a:t>
+            </a:r>
+            <a:r>
+              <a:rPr lang="en-US" dirty="0"/>
+              <a:t> que o </a:t>
+            </a:r>
+            <a:r>
+              <a:rPr lang="en-US" dirty="0" err="1"/>
+              <a:t>arquivo</a:t>
+            </a:r>
+            <a:r>
+              <a:rPr lang="en-US" dirty="0"/>
+              <a:t> </a:t>
+            </a:r>
+            <a:r>
+              <a:rPr lang="en-US" dirty="0" err="1"/>
+              <a:t>appsettings.local.json</a:t>
+            </a:r>
+            <a:r>
+              <a:rPr lang="en-US" dirty="0"/>
+              <a:t> </a:t>
+            </a:r>
+            <a:r>
+              <a:rPr lang="en-US" dirty="0" err="1"/>
+              <a:t>seja</a:t>
+            </a:r>
+            <a:r>
+              <a:rPr lang="en-US" dirty="0"/>
+              <a:t> </a:t>
+            </a:r>
+            <a:r>
+              <a:rPr lang="en-US" dirty="0" err="1"/>
+              <a:t>enviado</a:t>
+            </a:r>
+            <a:r>
+              <a:rPr lang="en-US" dirty="0"/>
+              <a:t>:</a:t>
+            </a:r>
+          </a:p>
+          <a:p>
+            <a:pPr lvl="1" indent="-342900">
+              <a:spcBef>
+                <a:spcPts val="0"/>
+              </a:spcBef>
+              <a:buSzPts val="1800"/>
+            </a:pPr>
+            <a:endParaRPr lang="en-US" dirty="0"/>
+          </a:p>
+          <a:p>
+            <a:pPr lvl="1" indent="-342900">
+              <a:spcBef>
+                <a:spcPts val="0"/>
+              </a:spcBef>
+              <a:buSzPts val="1800"/>
+            </a:pPr>
+            <a:endParaRPr lang="en-US" dirty="0"/>
+          </a:p>
+          <a:p>
+            <a:pPr lvl="1" indent="-342900">
+              <a:spcBef>
+                <a:spcPts val="0"/>
+              </a:spcBef>
+              <a:buSzPts val="1800"/>
+            </a:pPr>
+            <a:endParaRPr lang="en-US" dirty="0"/>
+          </a:p>
+          <a:p>
+            <a:pPr marL="571500" lvl="1" indent="0">
+              <a:spcBef>
+                <a:spcPts val="0"/>
+              </a:spcBef>
+              <a:buSzPts val="1800"/>
+              <a:buNone/>
+            </a:pPr>
+            <a:endParaRPr lang="pt-BR" dirty="0"/>
+          </a:p>
+          <a:p>
+            <a:pPr lvl="1" indent="-342900">
+              <a:spcBef>
+                <a:spcPts val="0"/>
+              </a:spcBef>
+              <a:buSzPts val="1800"/>
+            </a:pPr>
+            <a:endParaRPr lang="pt-BR" dirty="0"/>
+          </a:p>
+          <a:p>
+            <a:pPr lvl="1" indent="-342900">
+              <a:spcBef>
+                <a:spcPts val="0"/>
+              </a:spcBef>
+              <a:buSzPts val="1800"/>
+            </a:pPr>
+            <a:r>
+              <a:rPr lang="pt-BR" dirty="0"/>
+              <a:t>Configure o serviço de aplicativo para que haja a comunicação com o serviço de banco de dados.</a:t>
+            </a:r>
+          </a:p>
+          <a:p>
+            <a:pPr lvl="2" indent="-342900">
+              <a:spcBef>
+                <a:spcPts val="0"/>
+              </a:spcBef>
+              <a:buSzPts val="1800"/>
+            </a:pPr>
+            <a:r>
+              <a:rPr lang="pt-BR" dirty="0"/>
+              <a:t>Nas configurações do aplicativo, clique em </a:t>
+            </a:r>
+            <a:r>
+              <a:rPr lang="pt-BR" b="1" dirty="0"/>
+              <a:t>New application setting</a:t>
+            </a:r>
+            <a:r>
+              <a:rPr lang="pt-BR" dirty="0"/>
+              <a:t> e defina o </a:t>
+            </a:r>
+            <a:r>
+              <a:rPr lang="pt-BR" dirty="0" err="1"/>
+              <a:t>name</a:t>
+            </a:r>
+            <a:r>
+              <a:rPr lang="pt-BR" dirty="0"/>
+              <a:t> como </a:t>
+            </a:r>
+            <a:r>
+              <a:rPr lang="pt-BR" b="1" dirty="0"/>
+              <a:t>ASPNETCORE_ENVIRONMENT</a:t>
+            </a:r>
+            <a:r>
+              <a:rPr lang="pt-BR" dirty="0"/>
+              <a:t> e o </a:t>
+            </a:r>
+            <a:r>
+              <a:rPr lang="pt-BR" dirty="0" err="1"/>
+              <a:t>value</a:t>
+            </a:r>
+            <a:r>
+              <a:rPr lang="pt-BR" dirty="0"/>
+              <a:t> como </a:t>
+            </a:r>
+            <a:r>
+              <a:rPr lang="pt-BR" b="1" dirty="0"/>
+              <a:t>Development</a:t>
+            </a:r>
+            <a:r>
+              <a:rPr lang="pt-BR" dirty="0"/>
+              <a:t> </a:t>
+            </a:r>
+          </a:p>
+          <a:p>
+            <a:pPr lvl="2" indent="-342900">
+              <a:spcBef>
+                <a:spcPts val="0"/>
+              </a:spcBef>
+              <a:buSzPts val="1800"/>
+            </a:pPr>
+            <a:r>
+              <a:rPr lang="pt-BR" dirty="0"/>
+              <a:t>Após, clique em </a:t>
+            </a:r>
+            <a:r>
+              <a:rPr lang="pt-BR" b="1" dirty="0"/>
+              <a:t>New connection string </a:t>
+            </a:r>
+            <a:r>
+              <a:rPr lang="pt-BR" dirty="0"/>
+              <a:t>e define o </a:t>
+            </a:r>
+            <a:r>
+              <a:rPr lang="pt-BR" dirty="0" err="1"/>
+              <a:t>name</a:t>
+            </a:r>
+            <a:r>
+              <a:rPr lang="pt-BR" dirty="0"/>
+              <a:t> como </a:t>
+            </a:r>
+            <a:r>
+              <a:rPr lang="pt-BR" b="1" dirty="0"/>
+              <a:t>Default</a:t>
+            </a:r>
+            <a:r>
+              <a:rPr lang="pt-BR" dirty="0"/>
+              <a:t>, o </a:t>
+            </a:r>
+            <a:r>
+              <a:rPr lang="pt-BR" dirty="0" err="1"/>
+              <a:t>type</a:t>
+            </a:r>
+            <a:r>
+              <a:rPr lang="pt-BR" dirty="0"/>
+              <a:t> como </a:t>
+            </a:r>
+            <a:r>
+              <a:rPr lang="pt-BR" b="1" dirty="0"/>
+              <a:t>SQL Server</a:t>
+            </a:r>
+            <a:r>
+              <a:rPr lang="pt-BR" dirty="0"/>
+              <a:t> e o </a:t>
+            </a:r>
+            <a:r>
+              <a:rPr lang="pt-BR" dirty="0" err="1"/>
+              <a:t>value</a:t>
+            </a:r>
+            <a:r>
+              <a:rPr lang="pt-BR" dirty="0"/>
+              <a:t> com o que foi copiado da cadeia de conexão do banco de dados.</a:t>
+            </a:r>
+          </a:p>
+          <a:p>
+            <a:pPr lvl="1" indent="-342900">
+              <a:spcBef>
+                <a:spcPts val="0"/>
+              </a:spcBef>
+              <a:buSzPts val="1800"/>
+            </a:pPr>
+            <a:endParaRPr lang="pt-BR" dirty="0"/>
+          </a:p>
+          <a:p>
+            <a:pPr lvl="1" indent="-342900">
+              <a:spcBef>
+                <a:spcPts val="0"/>
+              </a:spcBef>
+              <a:buSzPts val="1800"/>
+            </a:pPr>
+            <a:endParaRPr lang="en" dirty="0"/>
+          </a:p>
+          <a:p>
+            <a:pPr lvl="1" indent="-342900">
+              <a:spcBef>
+                <a:spcPts val="0"/>
+              </a:spcBef>
+              <a:buSzPts val="1800"/>
+            </a:pPr>
+            <a:endParaRPr lang="en" dirty="0"/>
+          </a:p>
+          <a:p>
+            <a:pPr lvl="1" indent="-342900">
+              <a:spcBef>
+                <a:spcPts val="0"/>
+              </a:spcBef>
+              <a:buSzPts val="1800"/>
+            </a:pPr>
+            <a:endParaRPr lang="en" dirty="0"/>
+          </a:p>
+          <a:p>
+            <a:pPr lvl="1" indent="-342900">
+              <a:spcBef>
+                <a:spcPts val="0"/>
+              </a:spcBef>
+              <a:buSzPts val="1800"/>
+            </a:pPr>
+            <a:endParaRPr lang="en" dirty="0"/>
+          </a:p>
+          <a:p>
+            <a:pPr lvl="1" indent="-342900">
+              <a:spcBef>
+                <a:spcPts val="0"/>
+              </a:spcBef>
+              <a:buSzPts val="1800"/>
+            </a:pPr>
+            <a:endParaRPr lang="en" dirty="0"/>
+          </a:p>
+          <a:p>
+            <a:pPr lvl="1" indent="-342900">
+              <a:spcBef>
+                <a:spcPts val="0"/>
+              </a:spcBef>
+              <a:buSzPts val="1800"/>
+            </a:pPr>
+            <a:endParaRPr lang="en" dirty="0"/>
+          </a:p>
+          <a:p>
+            <a:pPr marL="457200" lvl="0" indent="-342900" algn="l" rtl="0">
+              <a:spcBef>
+                <a:spcPts val="0"/>
+              </a:spcBef>
+              <a:spcAft>
+                <a:spcPts val="0"/>
+              </a:spcAft>
+              <a:buSzPts val="1800"/>
+              <a:buChar char="●"/>
+            </a:pPr>
+            <a:endParaRPr lang="en" dirty="0"/>
+          </a:p>
+          <a:p>
+            <a:pPr marL="457200" lvl="0" indent="-342900" algn="l" rtl="0">
+              <a:spcBef>
+                <a:spcPts val="0"/>
+              </a:spcBef>
+              <a:spcAft>
+                <a:spcPts val="0"/>
+              </a:spcAft>
+              <a:buSzPts val="1800"/>
+              <a:buChar char="●"/>
+            </a:pPr>
+            <a:endParaRPr lang="en" dirty="0"/>
+          </a:p>
+        </p:txBody>
+      </p:sp>
+      <p:pic>
+        <p:nvPicPr>
+          <p:cNvPr id="4" name="Imagem 3">
+            <a:extLst>
+              <a:ext uri="{FF2B5EF4-FFF2-40B4-BE49-F238E27FC236}">
+                <a16:creationId xmlns:a16="http://schemas.microsoft.com/office/drawing/2014/main" id="{61723858-85DA-928F-C2DF-3F5815E3FBF9}"/>
+              </a:ext>
+            </a:extLst>
+          </p:cNvPr>
+          <p:cNvPicPr>
+            <a:picLocks noChangeAspect="1"/>
+          </p:cNvPicPr>
+          <p:nvPr/>
+        </p:nvPicPr>
+        <p:blipFill>
+          <a:blip r:embed="rId3"/>
+          <a:stretch>
+            <a:fillRect/>
+          </a:stretch>
+        </p:blipFill>
+        <p:spPr>
+          <a:xfrm>
+            <a:off x="1299382" y="2199795"/>
+            <a:ext cx="2259414" cy="1080000"/>
+          </a:xfrm>
+          <a:prstGeom prst="rect">
+            <a:avLst/>
+          </a:prstGeom>
+        </p:spPr>
+      </p:pic>
+    </p:spTree>
+    <p:extLst>
+      <p:ext uri="{BB962C8B-B14F-4D97-AF65-F5344CB8AC3E}">
+        <p14:creationId xmlns:p14="http://schemas.microsoft.com/office/powerpoint/2010/main" val="717490726"/>
+      </p:ext>
+    </p:extLst>
+  </p:cSld>
+  <p:clrMapOvr>
+    <a:masterClrMapping/>
+  </p:clrMapOvr>
+  <p:timing>
+    <p:tnLst>
+      <p:par>
+        <p:cTn id="1" dur="indefinite" restart="never" nodeType="tmRoot">
+          <p:childTnLst>
+            <p:seq concurrent="1" nextAc="seek">
+              <p:cTn id="2" dur="indefinite" nodeType="mainSeq">
+                <p:childTnLst>
+                  <p:par>
+                    <p:cTn id="3" fill="hold">
+                      <p:stCondLst>
+                        <p:cond delay="indefinite"/>
+                      </p:stCondLst>
+                      <p:childTnLst>
+                        <p:par>
+                          <p:cTn id="4" fill="hold">
+                            <p:stCondLst>
+                              <p:cond delay="0"/>
+                            </p:stCondLst>
+                            <p:childTnLst>
+                              <p:par>
+                                <p:cTn id="5" presetID="10" presetClass="entr" presetSubtype="0" fill="hold" nodeType="clickEffect">
+                                  <p:stCondLst>
+                                    <p:cond delay="0"/>
+                                  </p:stCondLst>
+                                  <p:childTnLst>
+                                    <p:set>
+                                      <p:cBhvr>
+                                        <p:cTn id="6" dur="1" fill="hold">
+                                          <p:stCondLst>
+                                            <p:cond delay="0"/>
+                                          </p:stCondLst>
+                                        </p:cTn>
+                                        <p:tgtEl>
+                                          <p:spTgt spid="74">
+                                            <p:txEl>
+                                              <p:pRg st="0" end="0"/>
+                                            </p:txEl>
+                                          </p:spTgt>
+                                        </p:tgtEl>
+                                        <p:attrNameLst>
+                                          <p:attrName>style.visibility</p:attrName>
+                                        </p:attrNameLst>
+                                      </p:cBhvr>
+                                      <p:to>
+                                        <p:strVal val="visible"/>
+                                      </p:to>
+                                    </p:set>
+                                    <p:animEffect transition="in" filter="fade">
+                                      <p:cBhvr>
+                                        <p:cTn id="7" dur="500"/>
+                                        <p:tgtEl>
+                                          <p:spTgt spid="74">
+                                            <p:txEl>
+                                              <p:pRg st="0" end="0"/>
+                                            </p:txEl>
+                                          </p:spTgt>
+                                        </p:tgtEl>
+                                      </p:cBhvr>
+                                    </p:animEffect>
+                                  </p:childTnLst>
+                                </p:cTn>
+                              </p:par>
+                            </p:childTnLst>
+                          </p:cTn>
+                        </p:par>
+                      </p:childTnLst>
+                    </p:cTn>
+                  </p:par>
+                  <p:par>
+                    <p:cTn id="8" fill="hold">
+                      <p:stCondLst>
+                        <p:cond delay="indefinite"/>
+                      </p:stCondLst>
+                      <p:childTnLst>
+                        <p:par>
+                          <p:cTn id="9" fill="hold">
+                            <p:stCondLst>
+                              <p:cond delay="0"/>
+                            </p:stCondLst>
+                            <p:childTnLst>
+                              <p:par>
+                                <p:cTn id="10" presetID="10" presetClass="entr" presetSubtype="0" fill="hold" nodeType="clickEffect">
+                                  <p:stCondLst>
+                                    <p:cond delay="0"/>
+                                  </p:stCondLst>
+                                  <p:childTnLst>
+                                    <p:set>
+                                      <p:cBhvr>
+                                        <p:cTn id="11" dur="1" fill="hold">
+                                          <p:stCondLst>
+                                            <p:cond delay="0"/>
+                                          </p:stCondLst>
+                                        </p:cTn>
+                                        <p:tgtEl>
+                                          <p:spTgt spid="74">
+                                            <p:txEl>
+                                              <p:pRg st="1" end="1"/>
+                                            </p:txEl>
+                                          </p:spTgt>
+                                        </p:tgtEl>
+                                        <p:attrNameLst>
+                                          <p:attrName>style.visibility</p:attrName>
+                                        </p:attrNameLst>
+                                      </p:cBhvr>
+                                      <p:to>
+                                        <p:strVal val="visible"/>
+                                      </p:to>
+                                    </p:set>
+                                    <p:animEffect transition="in" filter="fade">
+                                      <p:cBhvr>
+                                        <p:cTn id="12" dur="500"/>
+                                        <p:tgtEl>
+                                          <p:spTgt spid="74">
+                                            <p:txEl>
+                                              <p:pRg st="1" end="1"/>
+                                            </p:txEl>
+                                          </p:spTgt>
+                                        </p:tgtEl>
+                                      </p:cBhvr>
+                                    </p:animEffect>
+                                  </p:childTnLst>
+                                </p:cTn>
+                              </p:par>
+                            </p:childTnLst>
+                          </p:cTn>
+                        </p:par>
+                      </p:childTnLst>
+                    </p:cTn>
+                  </p:par>
+                  <p:par>
+                    <p:cTn id="13" fill="hold">
+                      <p:stCondLst>
+                        <p:cond delay="indefinite"/>
+                      </p:stCondLst>
+                      <p:childTnLst>
+                        <p:par>
+                          <p:cTn id="14" fill="hold">
+                            <p:stCondLst>
+                              <p:cond delay="0"/>
+                            </p:stCondLst>
+                            <p:childTnLst>
+                              <p:par>
+                                <p:cTn id="15" presetID="10" presetClass="entr" presetSubtype="0" fill="hold" nodeType="clickEffect">
+                                  <p:stCondLst>
+                                    <p:cond delay="0"/>
+                                  </p:stCondLst>
+                                  <p:childTnLst>
+                                    <p:set>
+                                      <p:cBhvr>
+                                        <p:cTn id="16" dur="1" fill="hold">
+                                          <p:stCondLst>
+                                            <p:cond delay="0"/>
+                                          </p:stCondLst>
+                                        </p:cTn>
+                                        <p:tgtEl>
+                                          <p:spTgt spid="74">
+                                            <p:txEl>
+                                              <p:pRg st="7" end="7"/>
+                                            </p:txEl>
+                                          </p:spTgt>
+                                        </p:tgtEl>
+                                        <p:attrNameLst>
+                                          <p:attrName>style.visibility</p:attrName>
+                                        </p:attrNameLst>
+                                      </p:cBhvr>
+                                      <p:to>
+                                        <p:strVal val="visible"/>
+                                      </p:to>
+                                    </p:set>
+                                    <p:animEffect transition="in" filter="fade">
+                                      <p:cBhvr>
+                                        <p:cTn id="17" dur="500"/>
+                                        <p:tgtEl>
+                                          <p:spTgt spid="74">
+                                            <p:txEl>
+                                              <p:pRg st="7" end="7"/>
+                                            </p:txEl>
+                                          </p:spTgt>
+                                        </p:tgtEl>
+                                      </p:cBhvr>
+                                    </p:animEffect>
+                                  </p:childTnLst>
+                                </p:cTn>
+                              </p:par>
+                            </p:childTnLst>
+                          </p:cTn>
+                        </p:par>
+                      </p:childTnLst>
+                    </p:cTn>
+                  </p:par>
+                  <p:par>
+                    <p:cTn id="18" fill="hold">
+                      <p:stCondLst>
+                        <p:cond delay="indefinite"/>
+                      </p:stCondLst>
+                      <p:childTnLst>
+                        <p:par>
+                          <p:cTn id="19" fill="hold">
+                            <p:stCondLst>
+                              <p:cond delay="0"/>
+                            </p:stCondLst>
+                            <p:childTnLst>
+                              <p:par>
+                                <p:cTn id="20" presetID="10" presetClass="entr" presetSubtype="0" fill="hold" nodeType="clickEffect">
+                                  <p:stCondLst>
+                                    <p:cond delay="0"/>
+                                  </p:stCondLst>
+                                  <p:childTnLst>
+                                    <p:set>
+                                      <p:cBhvr>
+                                        <p:cTn id="21" dur="1" fill="hold">
+                                          <p:stCondLst>
+                                            <p:cond delay="0"/>
+                                          </p:stCondLst>
+                                        </p:cTn>
+                                        <p:tgtEl>
+                                          <p:spTgt spid="74">
+                                            <p:txEl>
+                                              <p:pRg st="8" end="8"/>
+                                            </p:txEl>
+                                          </p:spTgt>
+                                        </p:tgtEl>
+                                        <p:attrNameLst>
+                                          <p:attrName>style.visibility</p:attrName>
+                                        </p:attrNameLst>
+                                      </p:cBhvr>
+                                      <p:to>
+                                        <p:strVal val="visible"/>
+                                      </p:to>
+                                    </p:set>
+                                    <p:animEffect transition="in" filter="fade">
+                                      <p:cBhvr>
+                                        <p:cTn id="22" dur="500"/>
+                                        <p:tgtEl>
+                                          <p:spTgt spid="74">
+                                            <p:txEl>
+                                              <p:pRg st="8" end="8"/>
+                                            </p:txEl>
+                                          </p:spTgt>
+                                        </p:tgtEl>
+                                      </p:cBhvr>
+                                    </p:animEffect>
+                                  </p:childTnLst>
+                                </p:cTn>
+                              </p:par>
+                            </p:childTnLst>
+                          </p:cTn>
+                        </p:par>
+                      </p:childTnLst>
+                    </p:cTn>
+                  </p:par>
+                  <p:par>
+                    <p:cTn id="23" fill="hold">
+                      <p:stCondLst>
+                        <p:cond delay="indefinite"/>
+                      </p:stCondLst>
+                      <p:childTnLst>
+                        <p:par>
+                          <p:cTn id="24" fill="hold">
+                            <p:stCondLst>
+                              <p:cond delay="0"/>
+                            </p:stCondLst>
+                            <p:childTnLst>
+                              <p:par>
+                                <p:cTn id="25" presetID="10" presetClass="entr" presetSubtype="0" fill="hold" nodeType="clickEffect">
+                                  <p:stCondLst>
+                                    <p:cond delay="0"/>
+                                  </p:stCondLst>
+                                  <p:childTnLst>
+                                    <p:set>
+                                      <p:cBhvr>
+                                        <p:cTn id="26" dur="1" fill="hold">
+                                          <p:stCondLst>
+                                            <p:cond delay="0"/>
+                                          </p:stCondLst>
+                                        </p:cTn>
+                                        <p:tgtEl>
+                                          <p:spTgt spid="74">
+                                            <p:txEl>
+                                              <p:pRg st="9" end="9"/>
+                                            </p:txEl>
+                                          </p:spTgt>
+                                        </p:tgtEl>
+                                        <p:attrNameLst>
+                                          <p:attrName>style.visibility</p:attrName>
+                                        </p:attrNameLst>
+                                      </p:cBhvr>
+                                      <p:to>
+                                        <p:strVal val="visible"/>
+                                      </p:to>
+                                    </p:set>
+                                    <p:animEffect transition="in" filter="fade">
+                                      <p:cBhvr>
+                                        <p:cTn id="27" dur="500"/>
+                                        <p:tgtEl>
+                                          <p:spTgt spid="74">
+                                            <p:txEl>
+                                              <p:pRg st="9" end="9"/>
+                                            </p:txEl>
+                                          </p:spTgt>
+                                        </p:tgtEl>
+                                      </p:cBhvr>
+                                    </p:animEffect>
+                                  </p:childTnLst>
+                                </p:cTn>
+                              </p:par>
+                            </p:childTnLst>
+                          </p:cTn>
+                        </p:par>
+                      </p:childTnLst>
+                    </p:cTn>
+                  </p:par>
+                </p:childTnLst>
+              </p:cTn>
+              <p:prevCondLst>
+                <p:cond evt="onPrev" delay="0">
+                  <p:tgtEl>
+                    <p:sldTgt/>
+                  </p:tgtEl>
+                </p:cond>
+              </p:prevCondLst>
+              <p:nextCondLst>
+                <p:cond evt="onNext" delay="0">
+                  <p:tgtEl>
+                    <p:sldTgt/>
+                  </p:tgtEl>
+                </p:cond>
+              </p:nextCondLst>
+            </p:seq>
+          </p:childTnLst>
+        </p:cTn>
+      </p:par>
+    </p:tnLst>
+  </p:timing>
+</p:sld>
+</file>
+
+<file path=ppt/slides/slide7.xml><?xml version="1.0" encoding="utf-8"?>
+<p:sld xmlns:a="http://schemas.openxmlformats.org/drawingml/2006/main" xmlns:r="http://schemas.openxmlformats.org/officeDocument/2006/relationships" xmlns:p="http://schemas.openxmlformats.org/presentationml/2006/main">
+  <p:cSld>
+    <p:spTree>
+      <p:nvGrpSpPr>
+        <p:cNvPr id="1" name="Shape 72"/>
+        <p:cNvGrpSpPr/>
+        <p:nvPr/>
+      </p:nvGrpSpPr>
+      <p:grpSpPr>
+        <a:xfrm>
+          <a:off x="0" y="0"/>
+          <a:ext cx="0" cy="0"/>
+          <a:chOff x="0" y="0"/>
+          <a:chExt cx="0" cy="0"/>
+        </a:xfrm>
+      </p:grpSpPr>
+      <p:sp>
+        <p:nvSpPr>
+          <p:cNvPr id="73" name="Google Shape;73;p14"/>
+          <p:cNvSpPr txBox="1">
+            <a:spLocks noGrp="1"/>
+          </p:cNvSpPr>
+          <p:nvPr>
+            <p:ph type="title"/>
+          </p:nvPr>
+        </p:nvSpPr>
+        <p:spPr>
+          <a:xfrm>
+            <a:off x="1143000" y="220350"/>
+            <a:ext cx="7689300" cy="636300"/>
+          </a:xfrm>
+          <a:prstGeom prst="rect">
+            <a:avLst/>
+          </a:prstGeom>
+        </p:spPr>
+        <p:txBody>
+          <a:bodyPr spcFirstLastPara="1" wrap="square" lIns="91425" tIns="91425" rIns="91425" bIns="91425" anchor="t" anchorCtr="0">
+            <a:noAutofit/>
+          </a:bodyPr>
+          <a:lstStyle/>
+          <a:p>
+            <a:pPr marL="0" lvl="0" indent="0" algn="l" rtl="0">
+              <a:spcBef>
+                <a:spcPts val="0"/>
+              </a:spcBef>
+              <a:spcAft>
+                <a:spcPts val="0"/>
+              </a:spcAft>
+              <a:buNone/>
+            </a:pPr>
+            <a:r>
+              <a:rPr lang="pt-BR" dirty="0"/>
               <a:t>Entrega</a:t>
             </a:r>
             <a:endParaRPr dirty="0"/>
